--- a/Powerpoint Presentation/Presentation.pptx
+++ b/Powerpoint Presentation/Presentation.pptx
@@ -16,13 +16,15 @@
     <p:sldId id="264" r:id="rId10"/>
     <p:sldId id="277" r:id="rId11"/>
     <p:sldId id="266" r:id="rId12"/>
-    <p:sldId id="273" r:id="rId13"/>
-    <p:sldId id="274" r:id="rId14"/>
-    <p:sldId id="275" r:id="rId15"/>
-    <p:sldId id="276" r:id="rId16"/>
-    <p:sldId id="257" r:id="rId17"/>
-    <p:sldId id="258" r:id="rId18"/>
-    <p:sldId id="267" r:id="rId19"/>
+    <p:sldId id="280" r:id="rId13"/>
+    <p:sldId id="273" r:id="rId14"/>
+    <p:sldId id="274" r:id="rId15"/>
+    <p:sldId id="282" r:id="rId16"/>
+    <p:sldId id="275" r:id="rId17"/>
+    <p:sldId id="276" r:id="rId18"/>
+    <p:sldId id="281" r:id="rId19"/>
+    <p:sldId id="258" r:id="rId20"/>
+    <p:sldId id="267" r:id="rId21"/>
   </p:sldIdLst>
   <p:sldSz cx="12192000" cy="6858000"/>
   <p:notesSz cx="6858000" cy="9144000"/>
@@ -123,7 +125,7 @@
   </p:defaultTextStyle>
   <p:extLst>
     <p:ext uri="{EFAFB233-063F-42B5-8137-9DF3F51BA10A}">
-      <p15:sldGuideLst xmlns:p15="http://schemas.microsoft.com/office/powerpoint/2012/main"/>
+      <p15:sldGuideLst xmlns="" xmlns:p15="http://schemas.microsoft.com/office/powerpoint/2012/main"/>
     </p:ext>
   </p:extLst>
 </p:presentation>
@@ -1341,7 +1343,7 @@
             <a:fld id="{9334D819-9F07-4261-B09B-9E467E5D9002}" type="datetimeFigureOut">
               <a:rPr lang="en-US" smtClean="0"/>
               <a:pPr/>
-              <a:t>4/26/2017</a:t>
+              <a:t>4/27/2017</a:t>
             </a:fld>
             <a:endParaRPr lang="en-US" dirty="0"/>
           </a:p>
@@ -1580,7 +1582,7 @@
           <a:p>
             <a:fld id="{9334D819-9F07-4261-B09B-9E467E5D9002}" type="datetimeFigureOut">
               <a:rPr lang="en-US" smtClean="0"/>
-              <a:t>4/26/2017</a:t>
+              <a:t>4/27/2017</a:t>
             </a:fld>
             <a:endParaRPr lang="en-US" dirty="0"/>
           </a:p>
@@ -1760,7 +1762,7 @@
           <a:p>
             <a:fld id="{9334D819-9F07-4261-B09B-9E467E5D9002}" type="datetimeFigureOut">
               <a:rPr lang="en-US" smtClean="0"/>
-              <a:t>4/26/2017</a:t>
+              <a:t>4/27/2017</a:t>
             </a:fld>
             <a:endParaRPr lang="en-US" dirty="0"/>
           </a:p>
@@ -1930,7 +1932,7 @@
           <a:p>
             <a:fld id="{9334D819-9F07-4261-B09B-9E467E5D9002}" type="datetimeFigureOut">
               <a:rPr lang="en-US" smtClean="0"/>
-              <a:t>4/26/2017</a:t>
+              <a:t>4/27/2017</a:t>
             </a:fld>
             <a:endParaRPr lang="en-US" dirty="0"/>
           </a:p>
@@ -2204,7 +2206,7 @@
             <a:fld id="{9334D819-9F07-4261-B09B-9E467E5D9002}" type="datetimeFigureOut">
               <a:rPr lang="en-US" smtClean="0"/>
               <a:pPr/>
-              <a:t>4/26/2017</a:t>
+              <a:t>4/27/2017</a:t>
             </a:fld>
             <a:endParaRPr lang="en-US" dirty="0"/>
           </a:p>
@@ -3406,7 +3408,7 @@
           <a:p>
             <a:fld id="{9334D819-9F07-4261-B09B-9E467E5D9002}" type="datetimeFigureOut">
               <a:rPr lang="en-US" smtClean="0"/>
-              <a:t>4/26/2017</a:t>
+              <a:t>4/27/2017</a:t>
             </a:fld>
             <a:endParaRPr lang="en-US" dirty="0"/>
           </a:p>
@@ -3466,7 +3468,7 @@
   </p:clrMapOvr>
   <p:extLst mod="1">
     <p:ext uri="{DCECCB84-F9BA-43D5-87BE-67443E8EF086}">
-      <p15:sldGuideLst xmlns:p15="http://schemas.microsoft.com/office/powerpoint/2012/main"/>
+      <p15:sldGuideLst xmlns="" xmlns:p15="http://schemas.microsoft.com/office/powerpoint/2012/main"/>
     </p:ext>
   </p:extLst>
 </p:sldLayout>
@@ -3796,7 +3798,7 @@
           <a:p>
             <a:fld id="{9334D819-9F07-4261-B09B-9E467E5D9002}" type="datetimeFigureOut">
               <a:rPr lang="en-US" smtClean="0"/>
-              <a:t>4/26/2017</a:t>
+              <a:t>4/27/2017</a:t>
             </a:fld>
             <a:endParaRPr lang="en-US" dirty="0"/>
           </a:p>
@@ -3856,7 +3858,7 @@
   </p:clrMapOvr>
   <p:extLst mod="1">
     <p:ext uri="{DCECCB84-F9BA-43D5-87BE-67443E8EF086}">
-      <p15:sldGuideLst xmlns:p15="http://schemas.microsoft.com/office/powerpoint/2012/main"/>
+      <p15:sldGuideLst xmlns="" xmlns:p15="http://schemas.microsoft.com/office/powerpoint/2012/main"/>
     </p:ext>
   </p:extLst>
 </p:sldLayout>
@@ -3919,7 +3921,7 @@
           <a:p>
             <a:fld id="{9334D819-9F07-4261-B09B-9E467E5D9002}" type="datetimeFigureOut">
               <a:rPr lang="en-US" smtClean="0"/>
-              <a:t>4/26/2017</a:t>
+              <a:t>4/27/2017</a:t>
             </a:fld>
             <a:endParaRPr lang="en-US" dirty="0"/>
           </a:p>
@@ -4014,7 +4016,7 @@
           <a:p>
             <a:fld id="{9334D819-9F07-4261-B09B-9E467E5D9002}" type="datetimeFigureOut">
               <a:rPr lang="en-US" smtClean="0"/>
-              <a:t>4/26/2017</a:t>
+              <a:t>4/27/2017</a:t>
             </a:fld>
             <a:endParaRPr lang="en-US" dirty="0"/>
           </a:p>
@@ -4777,7 +4779,7 @@
           <a:p>
             <a:fld id="{9334D819-9F07-4261-B09B-9E467E5D9002}" type="datetimeFigureOut">
               <a:rPr lang="en-US" smtClean="0"/>
-              <a:t>4/26/2017</a:t>
+              <a:t>4/27/2017</a:t>
             </a:fld>
             <a:endParaRPr lang="en-US" dirty="0"/>
           </a:p>
@@ -4885,7 +4887,7 @@
   </p:clrMapOvr>
   <p:extLst mod="1">
     <p:ext uri="{DCECCB84-F9BA-43D5-87BE-67443E8EF086}">
-      <p15:sldGuideLst xmlns:p15="http://schemas.microsoft.com/office/powerpoint/2012/main">
+      <p15:sldGuideLst xmlns="" xmlns:p15="http://schemas.microsoft.com/office/powerpoint/2012/main">
         <p15:guide id="1" orient="horz" pos="696">
           <p15:clr>
             <a:srgbClr val="FBAE40"/>
@@ -5617,7 +5619,7 @@
           <a:p>
             <a:fld id="{9334D819-9F07-4261-B09B-9E467E5D9002}" type="datetimeFigureOut">
               <a:rPr lang="en-US" smtClean="0"/>
-              <a:t>4/26/2017</a:t>
+              <a:t>4/27/2017</a:t>
             </a:fld>
             <a:endParaRPr lang="en-US" dirty="0"/>
           </a:p>
@@ -5845,7 +5847,7 @@
             <a:fld id="{9334D819-9F07-4261-B09B-9E467E5D9002}" type="datetimeFigureOut">
               <a:rPr lang="en-US" smtClean="0"/>
               <a:pPr/>
-              <a:t>4/26/2017</a:t>
+              <a:t>4/27/2017</a:t>
             </a:fld>
             <a:endParaRPr lang="en-US" dirty="0"/>
           </a:p>
@@ -6791,7 +6793,7 @@
   </p:txStyles>
   <p:extLst mod="1">
     <p:ext uri="{27BBF7A9-308A-43DC-89C8-2F10F3537804}">
-      <p15:sldGuideLst xmlns:p15="http://schemas.microsoft.com/office/powerpoint/2012/main">
+      <p15:sldGuideLst xmlns="" xmlns:p15="http://schemas.microsoft.com/office/powerpoint/2012/main">
         <p15:guide id="1" pos="792">
           <p15:clr>
             <a:srgbClr val="F26B43"/>
@@ -6884,7 +6886,7 @@
           <a:p>
             <a:r>
               <a:rPr lang="en-US" dirty="0"/>
-              <a:t>Ashlee Gaskins | Brittany Jennette | Ryan Tolentino</a:t>
+              <a:t>Ashlee Gaskins | Brittany Jennette | Ryan Tolentino| Java 204 </a:t>
             </a:r>
           </a:p>
           <a:p>
@@ -7272,29 +7274,92 @@
       </p:grpSpPr>
       <p:sp>
         <p:nvSpPr>
-          <p:cNvPr id="2" name="Picture Placeholder 1"/>
-          <p:cNvSpPr>
-            <a:spLocks noGrp="1"/>
-          </p:cNvSpPr>
-          <p:nvPr>
-            <p:ph type="pic" idx="1"/>
-          </p:nvPr>
-        </p:nvSpPr>
+          <p:cNvPr id="7" name="Title 6"/>
+          <p:cNvSpPr>
+            <a:spLocks noGrp="1"/>
+          </p:cNvSpPr>
+          <p:nvPr>
+            <p:ph type="title"/>
+          </p:nvPr>
+        </p:nvSpPr>
+        <p:spPr/>
+        <p:txBody>
+          <a:bodyPr/>
+          <a:lstStyle/>
+          <a:p>
+            <a:r>
+              <a:rPr lang="en-US" dirty="0"/>
+              <a:t>Painting the picture…</a:t>
+            </a:r>
+          </a:p>
+        </p:txBody>
+      </p:sp>
+      <p:pic>
+        <p:nvPicPr>
+          <p:cNvPr id="10" name="Content Placeholder 9"/>
+          <p:cNvPicPr>
+            <a:picLocks noGrp="1" noChangeAspect="1"/>
+          </p:cNvPicPr>
+          <p:nvPr>
+            <p:ph idx="1"/>
+          </p:nvPr>
+        </p:nvPicPr>
+        <p:blipFill>
+          <a:blip r:embed="rId2"/>
+          <a:stretch>
+            <a:fillRect/>
+          </a:stretch>
+        </p:blipFill>
         <p:spPr>
           <a:xfrm>
-            <a:off x="283464" y="0"/>
-            <a:ext cx="7355585" cy="6857999"/>
+            <a:off x="411028" y="1541330"/>
+            <a:ext cx="6825053" cy="3832530"/>
           </a:xfrm>
+          <a:prstGeom prst="rect">
+            <a:avLst/>
+          </a:prstGeom>
+          <a:solidFill>
+            <a:srgbClr val="FFFFFF">
+              <a:shade val="85000"/>
+            </a:srgbClr>
+          </a:solidFill>
+          <a:ln w="190500" cap="sq">
+            <a:solidFill>
+              <a:srgbClr val="FFFFFF"/>
+            </a:solidFill>
+            <a:miter lim="800000"/>
+          </a:ln>
+          <a:effectLst>
+            <a:outerShdw blurRad="65000" dist="50800" dir="12900000" kx="195000" ky="145000" algn="tl" rotWithShape="0">
+              <a:srgbClr val="000000">
+                <a:alpha val="30000"/>
+              </a:srgbClr>
+            </a:outerShdw>
+          </a:effectLst>
+          <a:scene3d>
+            <a:camera prst="orthographicFront">
+              <a:rot lat="0" lon="0" rev="360000"/>
+            </a:camera>
+            <a:lightRig rig="twoPt" dir="t">
+              <a:rot lat="0" lon="0" rev="7200000"/>
+            </a:lightRig>
+          </a:scene3d>
+          <a:sp3d contourW="12700">
+            <a:bevelT w="25400" h="19050"/>
+            <a:contourClr>
+              <a:srgbClr val="969696"/>
+            </a:contourClr>
+          </a:sp3d>
         </p:spPr>
-      </p:sp>
-      <p:sp>
-        <p:nvSpPr>
-          <p:cNvPr id="3" name="Title 2"/>
-          <p:cNvSpPr>
-            <a:spLocks noGrp="1"/>
-          </p:cNvSpPr>
-          <p:nvPr>
-            <p:ph type="title"/>
+      </p:pic>
+      <p:sp>
+        <p:nvSpPr>
+          <p:cNvPr id="9" name="Text Placeholder 8"/>
+          <p:cNvSpPr>
+            <a:spLocks noGrp="1"/>
+          </p:cNvSpPr>
+          <p:nvPr>
+            <p:ph type="body" sz="half" idx="2"/>
           </p:nvPr>
         </p:nvSpPr>
         <p:spPr/>
@@ -7304,37 +7369,36 @@
           <a:p>
             <a:r>
               <a:rPr lang="en-US" dirty="0"/>
-              <a:t>Currency converter</a:t>
-            </a:r>
-          </a:p>
-        </p:txBody>
-      </p:sp>
-      <p:sp>
-        <p:nvSpPr>
-          <p:cNvPr id="4" name="Text Placeholder 3"/>
-          <p:cNvSpPr>
-            <a:spLocks noGrp="1"/>
-          </p:cNvSpPr>
-          <p:nvPr>
-            <p:ph type="body" sz="half" idx="2"/>
-          </p:nvPr>
-        </p:nvSpPr>
-        <p:spPr/>
-        <p:txBody>
-          <a:bodyPr/>
-          <a:lstStyle/>
-          <a:p>
-            <a:r>
-              <a:rPr lang="en-US" dirty="0"/>
-              <a:t>To left is an image of the code our team wrote. This program allows the user to enter the amount of coins and then prints how much money they have in the form of dollar and cents. </a:t>
-            </a:r>
+              <a:t>Three friends from the U.S. decide to take a road trip to the lovely land of Canada. The problem they face is no one knows the currency conversion for their dream destination! No worries, three other friends based in North Carolina </a:t>
+            </a:r>
+            <a:r>
+              <a:rPr lang="en-US" dirty="0" smtClean="0"/>
+              <a:t>have </a:t>
+            </a:r>
+            <a:r>
+              <a:rPr lang="en-US" dirty="0"/>
+              <a:t>created a Java program to solve their exact problem. Let’s </a:t>
+            </a:r>
+            <a:r>
+              <a:rPr lang="en-US" dirty="0" smtClean="0"/>
+              <a:t>take </a:t>
+            </a:r>
+            <a:r>
+              <a:rPr lang="en-US" dirty="0"/>
+              <a:t>a </a:t>
+            </a:r>
+            <a:r>
+              <a:rPr lang="en-US" dirty="0" smtClean="0"/>
+              <a:t>look…</a:t>
+            </a:r>
+            <a:endParaRPr lang="en-US" dirty="0"/>
           </a:p>
         </p:txBody>
       </p:sp>
     </p:spTree>
     <p:extLst>
       <p:ext uri="{BB962C8B-B14F-4D97-AF65-F5344CB8AC3E}">
-        <p14:creationId xmlns:p14="http://schemas.microsoft.com/office/powerpoint/2010/main" val="292656495"/>
+        <p14:creationId xmlns:p14="http://schemas.microsoft.com/office/powerpoint/2010/main" val="3432654946"/>
       </p:ext>
     </p:extLst>
   </p:cSld>
@@ -7417,7 +7481,15 @@
           <a:p>
             <a:r>
               <a:rPr lang="en-US" dirty="0"/>
-              <a:t>To left is an image of the code our team wrote. This program allows the user to enter the amount of coins and then prints how much money they have in the form of dollar and cents. </a:t>
+              <a:t>To left is an image of the code our team wrote. This program allows the user to enter the amount of coins and then prints how much money they have in the form of US dollars and cents. </a:t>
+            </a:r>
+            <a:r>
+              <a:rPr lang="en-US" dirty="0" smtClean="0"/>
+              <a:t> As well </a:t>
+            </a:r>
+            <a:r>
+              <a:rPr lang="en-US" dirty="0"/>
+              <a:t>as foreign currency. </a:t>
             </a:r>
           </a:p>
         </p:txBody>
@@ -7425,7 +7497,7 @@
     </p:spTree>
     <p:extLst>
       <p:ext uri="{BB962C8B-B14F-4D97-AF65-F5344CB8AC3E}">
-        <p14:creationId xmlns:p14="http://schemas.microsoft.com/office/powerpoint/2010/main" val="3754080427"/>
+        <p14:creationId xmlns:p14="http://schemas.microsoft.com/office/powerpoint/2010/main" val="292656495"/>
       </p:ext>
     </p:extLst>
   </p:cSld>
@@ -7454,7 +7526,24 @@
       </p:grpSpPr>
       <p:sp>
         <p:nvSpPr>
-          <p:cNvPr id="5" name="Title 4"/>
+          <p:cNvPr id="2" name="Picture Placeholder 1"/>
+          <p:cNvSpPr>
+            <a:spLocks noGrp="1"/>
+          </p:cNvSpPr>
+          <p:nvPr>
+            <p:ph type="pic" idx="1"/>
+          </p:nvPr>
+        </p:nvSpPr>
+        <p:spPr>
+          <a:xfrm>
+            <a:off x="283464" y="0"/>
+            <a:ext cx="7355585" cy="6857999"/>
+          </a:xfrm>
+        </p:spPr>
+      </p:sp>
+      <p:sp>
+        <p:nvSpPr>
+          <p:cNvPr id="3" name="Title 2"/>
           <p:cNvSpPr>
             <a:spLocks noGrp="1"/>
           </p:cNvSpPr>
@@ -7469,19 +7558,19 @@
           <a:p>
             <a:r>
               <a:rPr lang="en-US" dirty="0"/>
-              <a:t>Code explanation</a:t>
-            </a:r>
-          </a:p>
-        </p:txBody>
-      </p:sp>
-      <p:sp>
-        <p:nvSpPr>
-          <p:cNvPr id="6" name="Content Placeholder 5"/>
-          <p:cNvSpPr>
-            <a:spLocks noGrp="1"/>
-          </p:cNvSpPr>
-          <p:nvPr>
-            <p:ph idx="1"/>
+              <a:t>Currency converter</a:t>
+            </a:r>
+          </a:p>
+        </p:txBody>
+      </p:sp>
+      <p:sp>
+        <p:nvSpPr>
+          <p:cNvPr id="4" name="Text Placeholder 3"/>
+          <p:cNvSpPr>
+            <a:spLocks noGrp="1"/>
+          </p:cNvSpPr>
+          <p:nvPr>
+            <p:ph type="body" sz="half" idx="2"/>
           </p:nvPr>
         </p:nvSpPr>
         <p:spPr/>
@@ -7489,14 +7578,25 @@
           <a:bodyPr/>
           <a:lstStyle/>
           <a:p>
-            <a:endParaRPr lang="en-US"/>
+            <a:r>
+              <a:rPr lang="en-US" dirty="0"/>
+              <a:t>To left is an image of the code our team wrote. This program allows the user to enter the amount of coins and then prints how much money they have in the form of US dollars and cents.  </a:t>
+            </a:r>
+            <a:r>
+              <a:rPr lang="en-US" dirty="0" smtClean="0"/>
+              <a:t>As well </a:t>
+            </a:r>
+            <a:r>
+              <a:rPr lang="en-US" dirty="0"/>
+              <a:t>as foreign currency. </a:t>
+            </a:r>
           </a:p>
         </p:txBody>
       </p:sp>
     </p:spTree>
     <p:extLst>
       <p:ext uri="{BB962C8B-B14F-4D97-AF65-F5344CB8AC3E}">
-        <p14:creationId xmlns:p14="http://schemas.microsoft.com/office/powerpoint/2010/main" val="733160480"/>
+        <p14:creationId xmlns:p14="http://schemas.microsoft.com/office/powerpoint/2010/main" val="3754080427"/>
       </p:ext>
     </p:extLst>
   </p:cSld>
@@ -7525,7 +7625,24 @@
       </p:grpSpPr>
       <p:sp>
         <p:nvSpPr>
-          <p:cNvPr id="5" name="Title 4"/>
+          <p:cNvPr id="2" name="Picture Placeholder 1"/>
+          <p:cNvSpPr>
+            <a:spLocks noGrp="1"/>
+          </p:cNvSpPr>
+          <p:nvPr>
+            <p:ph type="pic" idx="1"/>
+          </p:nvPr>
+        </p:nvSpPr>
+        <p:spPr>
+          <a:xfrm>
+            <a:off x="283464" y="0"/>
+            <a:ext cx="7355585" cy="6857999"/>
+          </a:xfrm>
+        </p:spPr>
+      </p:sp>
+      <p:sp>
+        <p:nvSpPr>
+          <p:cNvPr id="3" name="Title 2"/>
           <p:cNvSpPr>
             <a:spLocks noGrp="1"/>
           </p:cNvSpPr>
@@ -7540,19 +7657,19 @@
           <a:p>
             <a:r>
               <a:rPr lang="en-US" dirty="0"/>
-              <a:t>Code explanation</a:t>
-            </a:r>
-          </a:p>
-        </p:txBody>
-      </p:sp>
-      <p:sp>
-        <p:nvSpPr>
-          <p:cNvPr id="6" name="Content Placeholder 5"/>
-          <p:cNvSpPr>
-            <a:spLocks noGrp="1"/>
-          </p:cNvSpPr>
-          <p:nvPr>
-            <p:ph idx="1"/>
+              <a:t>Currency converter</a:t>
+            </a:r>
+          </a:p>
+        </p:txBody>
+      </p:sp>
+      <p:sp>
+        <p:nvSpPr>
+          <p:cNvPr id="4" name="Text Placeholder 3"/>
+          <p:cNvSpPr>
+            <a:spLocks noGrp="1"/>
+          </p:cNvSpPr>
+          <p:nvPr>
+            <p:ph type="body" sz="half" idx="2"/>
           </p:nvPr>
         </p:nvSpPr>
         <p:spPr/>
@@ -7560,14 +7677,38 @@
           <a:bodyPr/>
           <a:lstStyle/>
           <a:p>
-            <a:endParaRPr lang="en-US"/>
+            <a:r>
+              <a:rPr lang="en-US" dirty="0"/>
+              <a:t>To left is an image of the code our team wrote. This program allows the user to enter the amount of coins and then prints how much money they have in the form of </a:t>
+            </a:r>
+            <a:r>
+              <a:rPr lang="en-US" dirty="0" smtClean="0"/>
+              <a:t>US dollars </a:t>
+            </a:r>
+            <a:r>
+              <a:rPr lang="en-US" dirty="0"/>
+              <a:t>and cents</a:t>
+            </a:r>
+            <a:r>
+              <a:rPr lang="en-US" dirty="0" smtClean="0"/>
+              <a:t>. </a:t>
+            </a:r>
+            <a:r>
+              <a:rPr lang="en-US" dirty="0"/>
+              <a:t> </a:t>
+            </a:r>
+            <a:r>
+              <a:rPr lang="en-US" dirty="0" smtClean="0"/>
+              <a:t>As well as foreign currency. </a:t>
+            </a:r>
+            <a:endParaRPr lang="en-US" dirty="0"/>
           </a:p>
         </p:txBody>
       </p:sp>
     </p:spTree>
     <p:extLst>
       <p:ext uri="{BB962C8B-B14F-4D97-AF65-F5344CB8AC3E}">
-        <p14:creationId xmlns:p14="http://schemas.microsoft.com/office/powerpoint/2010/main" val="2847373658"/>
+        <p14:creationId xmlns:p14="http://schemas.microsoft.com/office/powerpoint/2010/main" val="3512069255"/>
       </p:ext>
     </p:extLst>
   </p:cSld>
@@ -7596,7 +7737,7 @@
       </p:grpSpPr>
       <p:sp>
         <p:nvSpPr>
-          <p:cNvPr id="2" name="Title 1"/>
+          <p:cNvPr id="5" name="Title 4"/>
           <p:cNvSpPr>
             <a:spLocks noGrp="1"/>
           </p:cNvSpPr>
@@ -7606,21 +7747,19 @@
         </p:nvSpPr>
         <p:spPr/>
         <p:txBody>
-          <a:bodyPr>
-            <a:normAutofit/>
-          </a:bodyPr>
+          <a:bodyPr/>
           <a:lstStyle/>
           <a:p>
             <a:r>
               <a:rPr lang="en-US" dirty="0"/>
-              <a:t>Summary</a:t>
-            </a:r>
-          </a:p>
-        </p:txBody>
-      </p:sp>
-      <p:sp>
-        <p:nvSpPr>
-          <p:cNvPr id="3" name="Content Placeholder 2"/>
+              <a:t>Code explanation</a:t>
+            </a:r>
+          </a:p>
+        </p:txBody>
+      </p:sp>
+      <p:sp>
+        <p:nvSpPr>
+          <p:cNvPr id="6" name="Content Placeholder 5"/>
           <p:cNvSpPr>
             <a:spLocks noGrp="1"/>
           </p:cNvSpPr>
@@ -7640,7 +7779,7 @@
     </p:spTree>
     <p:extLst>
       <p:ext uri="{BB962C8B-B14F-4D97-AF65-F5344CB8AC3E}">
-        <p14:creationId xmlns:p14="http://schemas.microsoft.com/office/powerpoint/2010/main" val="1284393922"/>
+        <p14:creationId xmlns:p14="http://schemas.microsoft.com/office/powerpoint/2010/main" val="733160480"/>
       </p:ext>
     </p:extLst>
   </p:cSld>
@@ -7669,6 +7808,77 @@
       </p:grpSpPr>
       <p:sp>
         <p:nvSpPr>
+          <p:cNvPr id="5" name="Title 4"/>
+          <p:cNvSpPr>
+            <a:spLocks noGrp="1"/>
+          </p:cNvSpPr>
+          <p:nvPr>
+            <p:ph type="title"/>
+          </p:nvPr>
+        </p:nvSpPr>
+        <p:spPr/>
+        <p:txBody>
+          <a:bodyPr/>
+          <a:lstStyle/>
+          <a:p>
+            <a:r>
+              <a:rPr lang="en-US" dirty="0"/>
+              <a:t>Code explanation</a:t>
+            </a:r>
+          </a:p>
+        </p:txBody>
+      </p:sp>
+      <p:sp>
+        <p:nvSpPr>
+          <p:cNvPr id="6" name="Content Placeholder 5"/>
+          <p:cNvSpPr>
+            <a:spLocks noGrp="1"/>
+          </p:cNvSpPr>
+          <p:nvPr>
+            <p:ph idx="1"/>
+          </p:nvPr>
+        </p:nvSpPr>
+        <p:spPr/>
+        <p:txBody>
+          <a:bodyPr/>
+          <a:lstStyle/>
+          <a:p>
+            <a:endParaRPr lang="en-US"/>
+          </a:p>
+        </p:txBody>
+      </p:sp>
+    </p:spTree>
+    <p:extLst>
+      <p:ext uri="{BB962C8B-B14F-4D97-AF65-F5344CB8AC3E}">
+        <p14:creationId xmlns:p14="http://schemas.microsoft.com/office/powerpoint/2010/main" val="2847373658"/>
+      </p:ext>
+    </p:extLst>
+  </p:cSld>
+  <p:clrMapOvr>
+    <a:masterClrMapping/>
+  </p:clrMapOvr>
+</p:sld>
+</file>
+
+<file path=ppt/slides/slide18.xml><?xml version="1.0" encoding="utf-8"?>
+<p:sld xmlns:a="http://schemas.openxmlformats.org/drawingml/2006/main" xmlns:r="http://schemas.openxmlformats.org/officeDocument/2006/relationships" xmlns:p="http://schemas.openxmlformats.org/presentationml/2006/main">
+  <p:cSld>
+    <p:spTree>
+      <p:nvGrpSpPr>
+        <p:cNvPr id="1" name=""/>
+        <p:cNvGrpSpPr/>
+        <p:nvPr/>
+      </p:nvGrpSpPr>
+      <p:grpSpPr>
+        <a:xfrm>
+          <a:off x="0" y="0"/>
+          <a:ext cx="0" cy="0"/>
+          <a:chOff x="0" y="0"/>
+          <a:chExt cx="0" cy="0"/>
+        </a:xfrm>
+      </p:grpSpPr>
+      <p:sp>
+        <p:nvSpPr>
           <p:cNvPr id="2" name="Title 1"/>
           <p:cNvSpPr>
             <a:spLocks noGrp="1"/>
@@ -7677,7 +7887,40 @@
             <p:ph type="title"/>
           </p:nvPr>
         </p:nvSpPr>
-        <p:spPr/>
+        <p:spPr>
+          <a:xfrm>
+            <a:off x="2857447" y="358588"/>
+            <a:ext cx="8187071" cy="1767786"/>
+          </a:xfrm>
+        </p:spPr>
+        <p:txBody>
+          <a:bodyPr/>
+          <a:lstStyle/>
+          <a:p>
+            <a:r>
+              <a:rPr lang="en-US" dirty="0" smtClean="0"/>
+              <a:t>Summary</a:t>
+            </a:r>
+            <a:endParaRPr lang="en-US" dirty="0"/>
+          </a:p>
+        </p:txBody>
+      </p:sp>
+      <p:sp>
+        <p:nvSpPr>
+          <p:cNvPr id="4" name="Text Placeholder 3"/>
+          <p:cNvSpPr>
+            <a:spLocks noGrp="1"/>
+          </p:cNvSpPr>
+          <p:nvPr>
+            <p:ph type="body" idx="1"/>
+          </p:nvPr>
+        </p:nvSpPr>
+        <p:spPr>
+          <a:xfrm>
+            <a:off x="3242930" y="2375647"/>
+            <a:ext cx="7980882" cy="3899647"/>
+          </a:xfrm>
+        </p:spPr>
         <p:txBody>
           <a:bodyPr>
             <a:normAutofit/>
@@ -7685,6 +7928,67 @@
           <a:lstStyle/>
           <a:p>
             <a:r>
+              <a:rPr lang="en-US" sz="1900" cap="none" dirty="0" smtClean="0">
+                <a:solidFill>
+                  <a:schemeClr val="tx2"/>
+                </a:solidFill>
+              </a:rPr>
+              <a:t>Java is a widely used programming language. One of the main reasons java is so popular is its platform independence, which means that java programs can be run on many different types of computers.  A java program runs on any computer with a java runtime environment, also known as a JRE, installed. Methods and classes are the building blocks for a java program. In order to be successful in the language, remember the basic syntax, naming rules and always explore the features. </a:t>
+            </a:r>
+          </a:p>
+          <a:p>
+            <a:endParaRPr lang="en-US" dirty="0"/>
+          </a:p>
+        </p:txBody>
+      </p:sp>
+    </p:spTree>
+    <p:extLst>
+      <p:ext uri="{BB962C8B-B14F-4D97-AF65-F5344CB8AC3E}">
+        <p14:creationId xmlns:p14="http://schemas.microsoft.com/office/powerpoint/2010/main" val="1059510965"/>
+      </p:ext>
+    </p:extLst>
+  </p:cSld>
+  <p:clrMapOvr>
+    <a:masterClrMapping/>
+  </p:clrMapOvr>
+</p:sld>
+</file>
+
+<file path=ppt/slides/slide19.xml><?xml version="1.0" encoding="utf-8"?>
+<p:sld xmlns:a="http://schemas.openxmlformats.org/drawingml/2006/main" xmlns:r="http://schemas.openxmlformats.org/officeDocument/2006/relationships" xmlns:p="http://schemas.openxmlformats.org/presentationml/2006/main">
+  <p:cSld>
+    <p:spTree>
+      <p:nvGrpSpPr>
+        <p:cNvPr id="1" name=""/>
+        <p:cNvGrpSpPr/>
+        <p:nvPr/>
+      </p:nvGrpSpPr>
+      <p:grpSpPr>
+        <a:xfrm>
+          <a:off x="0" y="0"/>
+          <a:ext cx="0" cy="0"/>
+          <a:chOff x="0" y="0"/>
+          <a:chExt cx="0" cy="0"/>
+        </a:xfrm>
+      </p:grpSpPr>
+      <p:sp>
+        <p:nvSpPr>
+          <p:cNvPr id="2" name="Title 1"/>
+          <p:cNvSpPr>
+            <a:spLocks noGrp="1"/>
+          </p:cNvSpPr>
+          <p:nvPr>
+            <p:ph type="title"/>
+          </p:nvPr>
+        </p:nvSpPr>
+        <p:spPr/>
+        <p:txBody>
+          <a:bodyPr>
+            <a:normAutofit/>
+          </a:bodyPr>
+          <a:lstStyle/>
+          <a:p>
+            <a:r>
               <a:rPr lang="en-US" dirty="0"/>
               <a:t>References</a:t>
             </a:r>
@@ -7703,8 +8007,8 @@
         </p:nvSpPr>
         <p:spPr bwMode="auto">
           <a:xfrm>
-            <a:off x="1396725" y="1312825"/>
-            <a:ext cx="10331450" cy="1123384"/>
+            <a:off x="1396724" y="1486691"/>
+            <a:ext cx="10331450" cy="1431161"/>
           </a:xfrm>
           <a:prstGeom prst="rect">
             <a:avLst/>
@@ -7821,6 +8125,27 @@
               </a:rPr>
               <a:t>https://www.oracle.com/java/index.html</a:t>
             </a:r>
+            <a:endParaRPr lang="en-US" altLang="en-US" dirty="0">
+              <a:solidFill>
+                <a:schemeClr val="tx1"/>
+              </a:solidFill>
+              <a:ea typeface="Calibri" panose="020F0502020204030204" pitchFamily="34" charset="0"/>
+              <a:cs typeface="Times New Roman" panose="02020603050405020304" pitchFamily="18" charset="0"/>
+            </a:endParaRPr>
+          </a:p>
+          <a:p>
+            <a:pPr eaLnBrk="0" fontAlgn="base" hangingPunct="0">
+              <a:lnSpc>
+                <a:spcPct val="100000"/>
+              </a:lnSpc>
+              <a:spcBef>
+                <a:spcPct val="0"/>
+              </a:spcBef>
+              <a:spcAft>
+                <a:spcPct val="0"/>
+              </a:spcAft>
+              <a:buClrTx/>
+            </a:pPr>
             <a:endParaRPr kumimoji="0" lang="en-US" altLang="en-US" b="0" i="0" u="none" strike="noStrike" cap="none" normalizeH="0" baseline="0" dirty="0">
               <a:ln>
                 <a:noFill/>
@@ -7899,133 +8224,218 @@
           </a:p>
         </p:txBody>
       </p:sp>
+      <p:sp>
+        <p:nvSpPr>
+          <p:cNvPr id="3" name="Rectangle 1"/>
+          <p:cNvSpPr>
+            <a:spLocks noChangeArrowheads="1"/>
+          </p:cNvSpPr>
+          <p:nvPr/>
+        </p:nvSpPr>
+        <p:spPr bwMode="auto">
+          <a:xfrm>
+            <a:off x="1396724" y="2271522"/>
+            <a:ext cx="8078579" cy="707886"/>
+          </a:xfrm>
+          <a:prstGeom prst="rect">
+            <a:avLst/>
+          </a:prstGeom>
+          <a:noFill/>
+          <a:ln>
+            <a:noFill/>
+          </a:ln>
+          <a:effectLst/>
+          <a:extLst>
+            <a:ext uri="{909E8E84-426E-40DD-AFC4-6F175D3DCCD1}">
+              <a14:hiddenFill xmlns:a14="http://schemas.microsoft.com/office/drawing/2010/main">
+                <a:solidFill>
+                  <a:schemeClr val="accent1"/>
+                </a:solidFill>
+              </a14:hiddenFill>
+            </a:ext>
+            <a:ext uri="{91240B29-F687-4F45-9708-019B960494DF}">
+              <a14:hiddenLine xmlns:a14="http://schemas.microsoft.com/office/drawing/2010/main" w="9525">
+                <a:solidFill>
+                  <a:schemeClr val="tx1"/>
+                </a:solidFill>
+                <a:miter lim="800000"/>
+                <a:headEnd/>
+                <a:tailEnd/>
+              </a14:hiddenLine>
+            </a:ext>
+            <a:ext uri="{AF507438-7753-43E0-B8FC-AC1667EBCBE1}">
+              <a14:hiddenEffects xmlns:a14="http://schemas.microsoft.com/office/drawing/2010/main">
+                <a:effectLst>
+                  <a:outerShdw dist="35921" dir="2700000" algn="ctr" rotWithShape="0">
+                    <a:schemeClr val="bg2"/>
+                  </a:outerShdw>
+                </a:effectLst>
+              </a14:hiddenEffects>
+            </a:ext>
+          </a:extLst>
+        </p:spPr>
+        <p:txBody>
+          <a:bodyPr vert="horz" wrap="square" lIns="91440" tIns="45720" rIns="91440" bIns="45720" numCol="1" anchor="ctr" anchorCtr="0" compatLnSpc="1">
+            <a:prstTxWarp prst="textNoShape">
+              <a:avLst/>
+            </a:prstTxWarp>
+            <a:spAutoFit/>
+          </a:bodyPr>
+          <a:lstStyle/>
+          <a:p>
+            <a:pPr marL="171450" marR="0" lvl="0" indent="-171450" algn="l" defTabSz="914400" rtl="0" eaLnBrk="0" fontAlgn="base" latinLnBrk="0" hangingPunct="0">
+              <a:lnSpc>
+                <a:spcPct val="100000"/>
+              </a:lnSpc>
+              <a:spcBef>
+                <a:spcPct val="0"/>
+              </a:spcBef>
+              <a:spcAft>
+                <a:spcPct val="0"/>
+              </a:spcAft>
+              <a:buClrTx/>
+              <a:buSzTx/>
+              <a:buFont typeface="Arial" panose="020B0604020202020204" pitchFamily="34" charset="0"/>
+              <a:buChar char="•"/>
+              <a:tabLst/>
+            </a:pPr>
+            <a:r>
+              <a:rPr kumimoji="0" lang="en-US" altLang="en-US" sz="2000" b="0" i="0" u="none" strike="noStrike" cap="none" normalizeH="0" baseline="0" dirty="0">
+                <a:ln>
+                  <a:noFill/>
+                </a:ln>
+                <a:solidFill>
+                  <a:schemeClr val="tx1"/>
+                </a:solidFill>
+                <a:effectLst/>
+                <a:ea typeface="Calibri" panose="020F0502020204030204" pitchFamily="34" charset="0"/>
+                <a:cs typeface="Arial" panose="020B0604020202020204" pitchFamily="34" charset="0"/>
+              </a:rPr>
+              <a:t>Harvey </a:t>
+            </a:r>
+            <a:r>
+              <a:rPr kumimoji="0" lang="en-US" altLang="en-US" sz="2000" b="0" i="0" u="none" strike="noStrike" cap="none" normalizeH="0" baseline="0" dirty="0" err="1">
+                <a:ln>
+                  <a:noFill/>
+                </a:ln>
+                <a:solidFill>
+                  <a:schemeClr val="tx1"/>
+                </a:solidFill>
+                <a:effectLst/>
+                <a:ea typeface="Calibri" panose="020F0502020204030204" pitchFamily="34" charset="0"/>
+                <a:cs typeface="Arial" panose="020B0604020202020204" pitchFamily="34" charset="0"/>
+              </a:rPr>
+              <a:t>Deitel</a:t>
+            </a:r>
+            <a:r>
+              <a:rPr kumimoji="0" lang="en-US" altLang="en-US" sz="2000" b="0" i="0" u="none" strike="noStrike" cap="none" normalizeH="0" baseline="0" dirty="0">
+                <a:ln>
+                  <a:noFill/>
+                </a:ln>
+                <a:solidFill>
+                  <a:schemeClr val="tx1"/>
+                </a:solidFill>
+                <a:effectLst/>
+                <a:ea typeface="Calibri" panose="020F0502020204030204" pitchFamily="34" charset="0"/>
+                <a:cs typeface="Arial" panose="020B0604020202020204" pitchFamily="34" charset="0"/>
+              </a:rPr>
+              <a:t>, P. D. (2014). </a:t>
+            </a:r>
+            <a:r>
+              <a:rPr kumimoji="0" lang="en-US" altLang="en-US" sz="2000" b="0" i="1" u="none" strike="noStrike" cap="none" normalizeH="0" baseline="0" dirty="0" err="1">
+                <a:ln>
+                  <a:noFill/>
+                </a:ln>
+                <a:solidFill>
+                  <a:schemeClr val="tx1"/>
+                </a:solidFill>
+                <a:effectLst/>
+                <a:ea typeface="Calibri" panose="020F0502020204030204" pitchFamily="34" charset="0"/>
+                <a:cs typeface="Arial" panose="020B0604020202020204" pitchFamily="34" charset="0"/>
+              </a:rPr>
+              <a:t>Deitel</a:t>
+            </a:r>
+            <a:r>
+              <a:rPr kumimoji="0" lang="en-US" altLang="en-US" sz="2000" b="0" i="1" u="none" strike="noStrike" cap="none" normalizeH="0" baseline="0" dirty="0">
+                <a:ln>
+                  <a:noFill/>
+                </a:ln>
+                <a:solidFill>
+                  <a:schemeClr val="tx1"/>
+                </a:solidFill>
+                <a:effectLst/>
+                <a:ea typeface="Calibri" panose="020F0502020204030204" pitchFamily="34" charset="0"/>
+                <a:cs typeface="Arial" panose="020B0604020202020204" pitchFamily="34" charset="0"/>
+              </a:rPr>
+              <a:t> Java How to Program, 10th Edition.</a:t>
+            </a:r>
+            <a:r>
+              <a:rPr kumimoji="0" lang="en-US" altLang="en-US" sz="2000" b="0" i="0" u="none" strike="noStrike" cap="none" normalizeH="0" baseline="0" dirty="0">
+                <a:ln>
+                  <a:noFill/>
+                </a:ln>
+                <a:solidFill>
+                  <a:schemeClr val="tx1"/>
+                </a:solidFill>
+                <a:effectLst/>
+                <a:ea typeface="Calibri" panose="020F0502020204030204" pitchFamily="34" charset="0"/>
+                <a:cs typeface="Arial" panose="020B0604020202020204" pitchFamily="34" charset="0"/>
+              </a:rPr>
+              <a:t> Pearson</a:t>
+            </a:r>
+            <a:r>
+              <a:rPr kumimoji="0" lang="en-US" altLang="en-US" sz="2000" b="0" i="0" u="none" strike="noStrike" cap="none" normalizeH="0" baseline="0" dirty="0" smtClean="0">
+                <a:ln>
+                  <a:noFill/>
+                </a:ln>
+                <a:solidFill>
+                  <a:schemeClr val="tx1"/>
+                </a:solidFill>
+                <a:effectLst/>
+                <a:ea typeface="Calibri" panose="020F0502020204030204" pitchFamily="34" charset="0"/>
+                <a:cs typeface="Arial" panose="020B0604020202020204" pitchFamily="34" charset="0"/>
+              </a:rPr>
+              <a:t>.</a:t>
+            </a:r>
+            <a:endParaRPr kumimoji="0" lang="en-US" altLang="en-US" sz="2000" b="0" i="0" u="none" strike="noStrike" cap="none" normalizeH="0" baseline="0" dirty="0" smtClean="0">
+              <a:ln>
+                <a:noFill/>
+              </a:ln>
+              <a:solidFill>
+                <a:schemeClr val="tx1"/>
+              </a:solidFill>
+              <a:effectLst/>
+            </a:endParaRPr>
+          </a:p>
+          <a:p>
+            <a:pPr marL="0" marR="0" lvl="0" indent="0" algn="l" defTabSz="914400" rtl="0" eaLnBrk="0" fontAlgn="base" latinLnBrk="0" hangingPunct="0">
+              <a:lnSpc>
+                <a:spcPct val="100000"/>
+              </a:lnSpc>
+              <a:spcBef>
+                <a:spcPct val="0"/>
+              </a:spcBef>
+              <a:spcAft>
+                <a:spcPct val="0"/>
+              </a:spcAft>
+              <a:buClrTx/>
+              <a:buSzTx/>
+              <a:buFontTx/>
+              <a:buNone/>
+              <a:tabLst/>
+            </a:pPr>
+            <a:endParaRPr lang="en-US" altLang="en-US" sz="2000" dirty="0">
+              <a:latin typeface="Calibri" panose="020F0502020204030204" pitchFamily="34" charset="0"/>
+              <a:ea typeface="Calibri" panose="020F0502020204030204" pitchFamily="34" charset="0"/>
+              <a:cs typeface="Arial" panose="020B0604020202020204" pitchFamily="34" charset="0"/>
+            </a:endParaRPr>
+          </a:p>
+        </p:txBody>
+      </p:sp>
     </p:spTree>
     <p:extLst>
       <p:ext uri="{BB962C8B-B14F-4D97-AF65-F5344CB8AC3E}">
         <p14:creationId xmlns:p14="http://schemas.microsoft.com/office/powerpoint/2010/main" val="880301418"/>
-      </p:ext>
-    </p:extLst>
-  </p:cSld>
-  <p:clrMapOvr>
-    <a:masterClrMapping/>
-  </p:clrMapOvr>
-</p:sld>
-</file>
-
-<file path=ppt/slides/slide18.xml><?xml version="1.0" encoding="utf-8"?>
-<p:sld xmlns:a="http://schemas.openxmlformats.org/drawingml/2006/main" xmlns:r="http://schemas.openxmlformats.org/officeDocument/2006/relationships" xmlns:p="http://schemas.openxmlformats.org/presentationml/2006/main">
-  <p:cSld>
-    <p:spTree>
-      <p:nvGrpSpPr>
-        <p:cNvPr id="1" name=""/>
-        <p:cNvGrpSpPr/>
-        <p:nvPr/>
-      </p:nvGrpSpPr>
-      <p:grpSpPr>
-        <a:xfrm>
-          <a:off x="0" y="0"/>
-          <a:ext cx="0" cy="0"/>
-          <a:chOff x="0" y="0"/>
-          <a:chExt cx="0" cy="0"/>
-        </a:xfrm>
-      </p:grpSpPr>
-      <p:sp>
-        <p:nvSpPr>
-          <p:cNvPr id="2" name="Title 1"/>
-          <p:cNvSpPr>
-            <a:spLocks noGrp="1"/>
-          </p:cNvSpPr>
-          <p:nvPr>
-            <p:ph type="title"/>
-          </p:nvPr>
-        </p:nvSpPr>
-        <p:spPr/>
-        <p:txBody>
-          <a:bodyPr/>
-          <a:lstStyle/>
-          <a:p>
-            <a:r>
-              <a:rPr lang="en-US" dirty="0"/>
-              <a:t>Special Thanks to…</a:t>
-            </a:r>
-          </a:p>
-        </p:txBody>
-      </p:sp>
-      <p:sp>
-        <p:nvSpPr>
-          <p:cNvPr id="3" name="Content Placeholder 2"/>
-          <p:cNvSpPr>
-            <a:spLocks noGrp="1"/>
-          </p:cNvSpPr>
-          <p:nvPr>
-            <p:ph idx="1"/>
-          </p:nvPr>
-        </p:nvSpPr>
-        <p:spPr/>
-        <p:txBody>
-          <a:bodyPr/>
-          <a:lstStyle/>
-          <a:p>
-            <a:pPr marL="0" indent="0">
-              <a:buNone/>
-            </a:pPr>
-            <a:r>
-              <a:rPr lang="en-US" dirty="0"/>
-              <a:t>Dr. </a:t>
-            </a:r>
-            <a:r>
-              <a:rPr lang="en-US" dirty="0" err="1"/>
-              <a:t>Chekad</a:t>
-            </a:r>
-            <a:r>
-              <a:rPr lang="en-US" dirty="0"/>
-              <a:t> </a:t>
-            </a:r>
-            <a:r>
-              <a:rPr lang="en-US" dirty="0" err="1"/>
-              <a:t>Sarami</a:t>
-            </a:r>
-            <a:r>
-              <a:rPr lang="en-US" dirty="0"/>
-              <a:t> for providing lecture slides as the foundation of our knowledge.</a:t>
-            </a:r>
-          </a:p>
-          <a:p>
-            <a:pPr marL="0" indent="0">
-              <a:buNone/>
-            </a:pPr>
-            <a:endParaRPr lang="en-US" dirty="0"/>
-          </a:p>
-          <a:p>
-            <a:pPr marL="0" indent="0">
-              <a:buNone/>
-            </a:pPr>
-            <a:r>
-              <a:rPr lang="en-US" dirty="0"/>
-              <a:t>Google for always providing clarity for our gray areas of information.</a:t>
-            </a:r>
-          </a:p>
-          <a:p>
-            <a:pPr marL="0" indent="0">
-              <a:buNone/>
-            </a:pPr>
-            <a:endParaRPr lang="en-US" dirty="0"/>
-          </a:p>
-          <a:p>
-            <a:pPr marL="0" indent="0">
-              <a:buNone/>
-            </a:pPr>
-            <a:r>
-              <a:rPr lang="en-US" dirty="0"/>
-              <a:t>Each team member for hours dedicated to research and coding. </a:t>
-            </a:r>
-          </a:p>
-        </p:txBody>
-      </p:sp>
-    </p:spTree>
-    <p:extLst>
-      <p:ext uri="{BB962C8B-B14F-4D97-AF65-F5344CB8AC3E}">
-        <p14:creationId xmlns:p14="http://schemas.microsoft.com/office/powerpoint/2010/main" val="1387134193"/>
       </p:ext>
     </p:extLst>
   </p:cSld>
@@ -8103,6 +8513,170 @@
     <p:extLst>
       <p:ext uri="{BB962C8B-B14F-4D97-AF65-F5344CB8AC3E}">
         <p14:creationId xmlns:p14="http://schemas.microsoft.com/office/powerpoint/2010/main" val="4275569037"/>
+      </p:ext>
+    </p:extLst>
+  </p:cSld>
+  <p:clrMapOvr>
+    <a:masterClrMapping/>
+  </p:clrMapOvr>
+</p:sld>
+</file>
+
+<file path=ppt/slides/slide20.xml><?xml version="1.0" encoding="utf-8"?>
+<p:sld xmlns:a="http://schemas.openxmlformats.org/drawingml/2006/main" xmlns:r="http://schemas.openxmlformats.org/officeDocument/2006/relationships" xmlns:p="http://schemas.openxmlformats.org/presentationml/2006/main">
+  <p:cSld>
+    <p:spTree>
+      <p:nvGrpSpPr>
+        <p:cNvPr id="1" name=""/>
+        <p:cNvGrpSpPr/>
+        <p:nvPr/>
+      </p:nvGrpSpPr>
+      <p:grpSpPr>
+        <a:xfrm>
+          <a:off x="0" y="0"/>
+          <a:ext cx="0" cy="0"/>
+          <a:chOff x="0" y="0"/>
+          <a:chExt cx="0" cy="0"/>
+        </a:xfrm>
+      </p:grpSpPr>
+      <p:sp>
+        <p:nvSpPr>
+          <p:cNvPr id="2" name="Title 1"/>
+          <p:cNvSpPr>
+            <a:spLocks noGrp="1"/>
+          </p:cNvSpPr>
+          <p:nvPr>
+            <p:ph type="title"/>
+          </p:nvPr>
+        </p:nvSpPr>
+        <p:spPr/>
+        <p:txBody>
+          <a:bodyPr/>
+          <a:lstStyle/>
+          <a:p>
+            <a:r>
+              <a:rPr lang="en-US" dirty="0"/>
+              <a:t>Special Thanks to…</a:t>
+            </a:r>
+          </a:p>
+        </p:txBody>
+      </p:sp>
+      <p:sp>
+        <p:nvSpPr>
+          <p:cNvPr id="3" name="Content Placeholder 2"/>
+          <p:cNvSpPr>
+            <a:spLocks noGrp="1"/>
+          </p:cNvSpPr>
+          <p:nvPr>
+            <p:ph idx="1"/>
+          </p:nvPr>
+        </p:nvSpPr>
+        <p:spPr/>
+        <p:txBody>
+          <a:bodyPr/>
+          <a:lstStyle/>
+          <a:p>
+            <a:pPr marL="0" indent="0">
+              <a:buNone/>
+            </a:pPr>
+            <a:r>
+              <a:rPr lang="en-US" dirty="0"/>
+              <a:t>Dr. </a:t>
+            </a:r>
+            <a:r>
+              <a:rPr lang="en-US" dirty="0" err="1"/>
+              <a:t>Chekad</a:t>
+            </a:r>
+            <a:r>
+              <a:rPr lang="en-US" dirty="0"/>
+              <a:t> </a:t>
+            </a:r>
+            <a:r>
+              <a:rPr lang="en-US" dirty="0" err="1"/>
+              <a:t>Sarami</a:t>
+            </a:r>
+            <a:r>
+              <a:rPr lang="en-US" dirty="0"/>
+              <a:t> for providing lecture slides as the foundation of our knowledge.</a:t>
+            </a:r>
+          </a:p>
+          <a:p>
+            <a:pPr marL="0" indent="0">
+              <a:buNone/>
+            </a:pPr>
+            <a:endParaRPr lang="en-US" dirty="0"/>
+          </a:p>
+          <a:p>
+            <a:pPr marL="0" indent="0">
+              <a:buNone/>
+            </a:pPr>
+            <a:r>
+              <a:rPr lang="en-US" dirty="0"/>
+              <a:t>Google for always providing clarity for our gray areas of information.</a:t>
+            </a:r>
+          </a:p>
+          <a:p>
+            <a:pPr marL="0" indent="0">
+              <a:buNone/>
+            </a:pPr>
+            <a:endParaRPr lang="en-US" dirty="0"/>
+          </a:p>
+          <a:p>
+            <a:pPr marL="0" indent="0">
+              <a:buNone/>
+            </a:pPr>
+            <a:r>
+              <a:rPr lang="en-US" dirty="0"/>
+              <a:t>Each team member for hours dedicated to research and coding. </a:t>
+            </a:r>
+          </a:p>
+        </p:txBody>
+      </p:sp>
+      <p:pic>
+        <p:nvPicPr>
+          <p:cNvPr id="2051" name="Picture 3" descr="C:\Users\SiteKiosk\AppData\Local\Microsoft\Windows\Temporary Internet Files\Content.IE5\EB210HNE\Thank-you-pinned-note[1].png"/>
+          <p:cNvPicPr>
+            <a:picLocks noChangeAspect="1" noChangeArrowheads="1"/>
+          </p:cNvPicPr>
+          <p:nvPr/>
+        </p:nvPicPr>
+        <p:blipFill>
+          <a:blip r:embed="rId2">
+            <a:extLst>
+              <a:ext uri="{28A0092B-C50C-407E-A947-70E740481C1C}">
+                <a14:useLocalDpi xmlns:a14="http://schemas.microsoft.com/office/drawing/2010/main" val="0"/>
+              </a:ext>
+            </a:extLst>
+          </a:blip>
+          <a:srcRect/>
+          <a:stretch>
+            <a:fillRect/>
+          </a:stretch>
+        </p:blipFill>
+        <p:spPr bwMode="auto">
+          <a:xfrm>
+            <a:off x="8050303" y="0"/>
+            <a:ext cx="2420471" cy="2420471"/>
+          </a:xfrm>
+          <a:prstGeom prst="rect">
+            <a:avLst/>
+          </a:prstGeom>
+          <a:noFill/>
+          <a:extLst>
+            <a:ext uri="{909E8E84-426E-40DD-AFC4-6F175D3DCCD1}">
+              <a14:hiddenFill xmlns:a14="http://schemas.microsoft.com/office/drawing/2010/main">
+                <a:solidFill>
+                  <a:srgbClr val="FFFFFF"/>
+                </a:solidFill>
+              </a14:hiddenFill>
+            </a:ext>
+          </a:extLst>
+        </p:spPr>
+      </p:pic>
+    </p:spTree>
+    <p:extLst>
+      <p:ext uri="{BB962C8B-B14F-4D97-AF65-F5344CB8AC3E}">
+        <p14:creationId xmlns:p14="http://schemas.microsoft.com/office/powerpoint/2010/main" val="1387134193"/>
       </p:ext>
     </p:extLst>
   </p:cSld>
@@ -8294,11 +8868,11 @@
           <a:p>
             <a:r>
               <a:rPr lang="en-US" b="1" dirty="0"/>
-              <a:t>Class</a:t>
-            </a:r>
-            <a:r>
-              <a:rPr lang="en-US" dirty="0"/>
-              <a:t> can contain fields and methods to describe the behavior of an object.</a:t>
+              <a:t>Classes </a:t>
+            </a:r>
+            <a:r>
+              <a:rPr lang="en-US" dirty="0"/>
+              <a:t>can contain fields and methods to describe the behavior of an object.</a:t>
             </a:r>
             <a:endParaRPr lang="en-US" b="1" dirty="0"/>
           </a:p>
@@ -10108,7 +10682,7 @@
     </a:clrScheme>
     <a:fontScheme name="Badge">
       <a:majorFont>
-        <a:latin typeface="Impact" panose="020B0806030902050204"/>
+        <a:latin typeface="Impact"/>
         <a:ea typeface=""/>
         <a:cs typeface=""/>
         <a:font script="Jpan" typeface="メイリオ"/>
@@ -10143,7 +10717,7 @@
         <a:font script="Geor" typeface="Sylfaen"/>
       </a:majorFont>
       <a:minorFont>
-        <a:latin typeface="Gill Sans MT" panose="020B0502020104020203"/>
+        <a:latin typeface="Gill Sans MT"/>
         <a:ea typeface=""/>
         <a:cs typeface=""/>
         <a:font script="Grek" typeface="Corbel"/>
@@ -10319,7 +10893,7 @@
   <a:extraClrSchemeLst/>
   <a:extLst>
     <a:ext uri="{05A4C25C-085E-4340-85A3-A5531E510DB2}">
-      <thm15:themeFamily xmlns:thm15="http://schemas.microsoft.com/office/thememl/2012/main" name="Badge" id="{71A07785-5930-41D4-9A83-E23602B48E98}" vid="{D71F8F05-6246-47AF-9E68-E57F6C93F792}"/>
+      <thm15:themeFamily xmlns="" xmlns:thm15="http://schemas.microsoft.com/office/thememl/2012/main" name="Badge" id="{71A07785-5930-41D4-9A83-E23602B48E98}" vid="{D71F8F05-6246-47AF-9E68-E57F6C93F792}"/>
     </a:ext>
   </a:extLst>
 </a:theme>
